--- a/Danisoft Internship Experience Report.pptx
+++ b/Danisoft Internship Experience Report.pptx
@@ -3495,6 +3495,41 @@
             <a:r>
               <a:rPr lang="en-GB" dirty="0"/>
               <a:t>Danisoft Innovative Solutions ltd.</a:t>
+            </a:r>
+          </a:p>
+        </p:txBody>
+      </p:sp>
+      <p:sp>
+        <p:nvSpPr>
+          <p:cNvPr id="4" name="TextBox 3">
+            <a:extLst>
+              <a:ext uri="{FF2B5EF4-FFF2-40B4-BE49-F238E27FC236}">
+                <a16:creationId xmlns:a16="http://schemas.microsoft.com/office/drawing/2014/main" id="{0A178BAF-CA86-4B99-1572-F72FC43A1DF5}"/>
+              </a:ext>
+            </a:extLst>
+          </p:cNvPr>
+          <p:cNvSpPr txBox="1"/>
+          <p:nvPr/>
+        </p:nvSpPr>
+        <p:spPr>
+          <a:xfrm>
+            <a:off x="6244683" y="6545766"/>
+            <a:ext cx="311304" cy="369332"/>
+          </a:xfrm>
+          <a:prstGeom prst="rect">
+            <a:avLst/>
+          </a:prstGeom>
+          <a:noFill/>
+        </p:spPr>
+        <p:txBody>
+          <a:bodyPr wrap="none" rtlCol="0">
+            <a:spAutoFit/>
+          </a:bodyPr>
+          <a:lstStyle/>
+          <a:p>
+            <a:r>
+              <a:rPr lang="en-NG" dirty="0"/>
+              <a:t>1</a:t>
             </a:r>
           </a:p>
         </p:txBody>
@@ -4077,6 +4112,41 @@
           </a:p>
         </p:txBody>
       </p:sp>
+      <p:sp>
+        <p:nvSpPr>
+          <p:cNvPr id="4" name="TextBox 3">
+            <a:extLst>
+              <a:ext uri="{FF2B5EF4-FFF2-40B4-BE49-F238E27FC236}">
+                <a16:creationId xmlns:a16="http://schemas.microsoft.com/office/drawing/2014/main" id="{3C217687-3CFD-2E5E-6BD0-F147FF37C508}"/>
+              </a:ext>
+            </a:extLst>
+          </p:cNvPr>
+          <p:cNvSpPr txBox="1"/>
+          <p:nvPr/>
+        </p:nvSpPr>
+        <p:spPr>
+          <a:xfrm>
+            <a:off x="5784696" y="6325862"/>
+            <a:ext cx="311304" cy="369332"/>
+          </a:xfrm>
+          <a:prstGeom prst="rect">
+            <a:avLst/>
+          </a:prstGeom>
+          <a:noFill/>
+        </p:spPr>
+        <p:txBody>
+          <a:bodyPr wrap="none" rtlCol="0">
+            <a:spAutoFit/>
+          </a:bodyPr>
+          <a:lstStyle/>
+          <a:p>
+            <a:r>
+              <a:rPr lang="en-NG" dirty="0"/>
+              <a:t>2</a:t>
+            </a:r>
+          </a:p>
+        </p:txBody>
+      </p:sp>
     </p:spTree>
     <p:extLst>
       <p:ext uri="{BB962C8B-B14F-4D97-AF65-F5344CB8AC3E}">
@@ -4346,6 +4416,41 @@
           </a:p>
         </p:txBody>
       </p:sp>
+      <p:sp>
+        <p:nvSpPr>
+          <p:cNvPr id="4" name="TextBox 3">
+            <a:extLst>
+              <a:ext uri="{FF2B5EF4-FFF2-40B4-BE49-F238E27FC236}">
+                <a16:creationId xmlns:a16="http://schemas.microsoft.com/office/drawing/2014/main" id="{5EAC36FB-49EB-C39E-143E-8988C87AC60D}"/>
+              </a:ext>
+            </a:extLst>
+          </p:cNvPr>
+          <p:cNvSpPr txBox="1"/>
+          <p:nvPr/>
+        </p:nvSpPr>
+        <p:spPr>
+          <a:xfrm>
+            <a:off x="5784696" y="6272784"/>
+            <a:ext cx="311304" cy="369332"/>
+          </a:xfrm>
+          <a:prstGeom prst="rect">
+            <a:avLst/>
+          </a:prstGeom>
+          <a:noFill/>
+        </p:spPr>
+        <p:txBody>
+          <a:bodyPr wrap="none" rtlCol="0">
+            <a:spAutoFit/>
+          </a:bodyPr>
+          <a:lstStyle/>
+          <a:p>
+            <a:r>
+              <a:rPr lang="en-NG" dirty="0"/>
+              <a:t>3</a:t>
+            </a:r>
+          </a:p>
+        </p:txBody>
+      </p:sp>
     </p:spTree>
     <p:extLst>
       <p:ext uri="{BB962C8B-B14F-4D97-AF65-F5344CB8AC3E}">
@@ -4587,6 +4692,41 @@
           </a:p>
         </p:txBody>
       </p:sp>
+      <p:sp>
+        <p:nvSpPr>
+          <p:cNvPr id="4" name="TextBox 3">
+            <a:extLst>
+              <a:ext uri="{FF2B5EF4-FFF2-40B4-BE49-F238E27FC236}">
+                <a16:creationId xmlns:a16="http://schemas.microsoft.com/office/drawing/2014/main" id="{1620C190-B21E-E0DE-A8FE-07133FD81103}"/>
+              </a:ext>
+            </a:extLst>
+          </p:cNvPr>
+          <p:cNvSpPr txBox="1"/>
+          <p:nvPr/>
+        </p:nvSpPr>
+        <p:spPr>
+          <a:xfrm>
+            <a:off x="5798634" y="6556917"/>
+            <a:ext cx="311304" cy="369332"/>
+          </a:xfrm>
+          <a:prstGeom prst="rect">
+            <a:avLst/>
+          </a:prstGeom>
+          <a:noFill/>
+        </p:spPr>
+        <p:txBody>
+          <a:bodyPr wrap="none" rtlCol="0">
+            <a:spAutoFit/>
+          </a:bodyPr>
+          <a:lstStyle/>
+          <a:p>
+            <a:r>
+              <a:rPr lang="en-NG" dirty="0"/>
+              <a:t>4</a:t>
+            </a:r>
+          </a:p>
+        </p:txBody>
+      </p:sp>
     </p:spTree>
     <p:extLst>
       <p:ext uri="{BB962C8B-B14F-4D97-AF65-F5344CB8AC3E}">
@@ -4783,6 +4923,41 @@
           </a:p>
         </p:txBody>
       </p:sp>
+      <p:sp>
+        <p:nvSpPr>
+          <p:cNvPr id="4" name="TextBox 3">
+            <a:extLst>
+              <a:ext uri="{FF2B5EF4-FFF2-40B4-BE49-F238E27FC236}">
+                <a16:creationId xmlns:a16="http://schemas.microsoft.com/office/drawing/2014/main" id="{95E3060B-2074-7493-314C-D97046EED2CA}"/>
+              </a:ext>
+            </a:extLst>
+          </p:cNvPr>
+          <p:cNvSpPr txBox="1"/>
+          <p:nvPr/>
+        </p:nvSpPr>
+        <p:spPr>
+          <a:xfrm>
+            <a:off x="5854390" y="6467707"/>
+            <a:ext cx="311304" cy="369332"/>
+          </a:xfrm>
+          <a:prstGeom prst="rect">
+            <a:avLst/>
+          </a:prstGeom>
+          <a:noFill/>
+        </p:spPr>
+        <p:txBody>
+          <a:bodyPr wrap="none" rtlCol="0">
+            <a:spAutoFit/>
+          </a:bodyPr>
+          <a:lstStyle/>
+          <a:p>
+            <a:r>
+              <a:rPr lang="en-NG" dirty="0"/>
+              <a:t>5</a:t>
+            </a:r>
+          </a:p>
+        </p:txBody>
+      </p:sp>
     </p:spTree>
     <p:extLst>
       <p:ext uri="{BB962C8B-B14F-4D97-AF65-F5344CB8AC3E}">
@@ -4942,6 +5117,41 @@
             <a:r>
               <a:rPr lang="en-GB" sz="9600" b="1" dirty="0"/>
               <a:t>Thank YOU!!!</a:t>
+            </a:r>
+          </a:p>
+        </p:txBody>
+      </p:sp>
+      <p:sp>
+        <p:nvSpPr>
+          <p:cNvPr id="2" name="TextBox 1">
+            <a:extLst>
+              <a:ext uri="{FF2B5EF4-FFF2-40B4-BE49-F238E27FC236}">
+                <a16:creationId xmlns:a16="http://schemas.microsoft.com/office/drawing/2014/main" id="{AE7AB658-FA35-7E4D-C1F9-9DEB5EFC77A7}"/>
+              </a:ext>
+            </a:extLst>
+          </p:cNvPr>
+          <p:cNvSpPr txBox="1"/>
+          <p:nvPr/>
+        </p:nvSpPr>
+        <p:spPr>
+          <a:xfrm>
+            <a:off x="6110868" y="6300439"/>
+            <a:ext cx="311304" cy="369332"/>
+          </a:xfrm>
+          <a:prstGeom prst="rect">
+            <a:avLst/>
+          </a:prstGeom>
+          <a:noFill/>
+        </p:spPr>
+        <p:txBody>
+          <a:bodyPr wrap="none" rtlCol="0">
+            <a:spAutoFit/>
+          </a:bodyPr>
+          <a:lstStyle/>
+          <a:p>
+            <a:r>
+              <a:rPr lang="en-NG" dirty="0"/>
+              <a:t>6</a:t>
             </a:r>
           </a:p>
         </p:txBody>
